--- a/Percentage of Change.pptx
+++ b/Percentage of Change.pptx
@@ -3327,7 +3327,7 @@
           <p:cNvPr id="0" name="slide1">
             <a:extLst>
               <a:ext uri="{FF2B5EF4-FFF2-40B4-BE49-F238E27FC236}">
-                <a16:creationId xmlns:a16="http://schemas.microsoft.com/office/drawing/2014/main" id="{1178270E-A671-4918-95F7-8808C6BEDC00}"/>
+                <a16:creationId xmlns:a16="http://schemas.microsoft.com/office/drawing/2014/main" id="{8AC022B7-3966-4967-BB58-0929BE4CB390}"/>
               </a:ext>
             </a:extLst>
           </p:cNvPr>
@@ -3355,7 +3355,7 @@
           <p:cNvPr id="1" name="slide1">
             <a:extLst>
               <a:ext uri="{FF2B5EF4-FFF2-40B4-BE49-F238E27FC236}">
-                <a16:creationId xmlns:a16="http://schemas.microsoft.com/office/drawing/2014/main" id="{191637E5-36BD-4B18-A231-12E913A46BBB}"/>
+                <a16:creationId xmlns:a16="http://schemas.microsoft.com/office/drawing/2014/main" id="{99021D8A-C37C-437E-AC14-C3B079E005CA}"/>
               </a:ext>
             </a:extLst>
           </p:cNvPr>
@@ -3373,7 +3373,7 @@
           <a:p>
             <a:r>
               <a:rPr/>
-              <a:t>File created on: 8/6/2021 12:39:55 AM</a:t>
+              <a:t>File created on: 8/6/2021 12:44:57 AM</a:t>
             </a:r>
           </a:p>
         </p:txBody>
@@ -3413,7 +3413,7 @@
           <p:cNvPr descr="Sheet 2 (2)" id="2" name="slide2">
             <a:extLst>
               <a:ext uri="{FF2B5EF4-FFF2-40B4-BE49-F238E27FC236}">
-                <a16:creationId xmlns:a16="http://schemas.microsoft.com/office/drawing/2014/main" id="{1F6C51B5-144E-45B6-8B60-6DF9C2A363C1}"/>
+                <a16:creationId xmlns:a16="http://schemas.microsoft.com/office/drawing/2014/main" id="{E70F5C99-C7B9-43DF-AF6B-D7F2D2ABE584}"/>
               </a:ext>
             </a:extLst>
           </p:cNvPr>
